--- a/Office_Rage_Presentation_Final.pptx
+++ b/Office_Rage_Presentation_Final.pptx
@@ -20,8 +20,7 @@
     <p:sldId id="271" r:id="rId14"/>
     <p:sldId id="273" r:id="rId15"/>
     <p:sldId id="274" r:id="rId16"/>
-    <p:sldId id="275" r:id="rId17"/>
-    <p:sldId id="266" r:id="rId18"/>
+    <p:sldId id="266" r:id="rId17"/>
   </p:sldIdLst>
   <p:sldSz cx="12192000" cy="6858000"/>
   <p:notesSz cx="6858000" cy="9144000"/>
@@ -275,7 +274,7 @@
           <a:p>
             <a:fld id="{073ED0CC-082F-4160-86E5-0D6041F12778}" type="datetime1">
               <a:rPr lang="en-US" smtClean="0"/>
-              <a:t>12/16/2019</a:t>
+              <a:t>12/18/2019</a:t>
             </a:fld>
             <a:endParaRPr lang="en-US" dirty="0"/>
           </a:p>
@@ -474,7 +473,7 @@
           <a:p>
             <a:fld id="{073ED0CC-082F-4160-86E5-0D6041F12778}" type="datetime1">
               <a:rPr lang="en-US" smtClean="0"/>
-              <a:t>12/16/2019</a:t>
+              <a:t>12/18/2019</a:t>
             </a:fld>
             <a:endParaRPr lang="en-US" dirty="0"/>
           </a:p>
@@ -683,7 +682,7 @@
           <a:p>
             <a:fld id="{073ED0CC-082F-4160-86E5-0D6041F12778}" type="datetime1">
               <a:rPr lang="en-US" smtClean="0"/>
-              <a:t>12/16/2019</a:t>
+              <a:t>12/18/2019</a:t>
             </a:fld>
             <a:endParaRPr lang="en-US" dirty="0"/>
           </a:p>
@@ -882,7 +881,7 @@
           <a:p>
             <a:fld id="{073ED0CC-082F-4160-86E5-0D6041F12778}" type="datetime1">
               <a:rPr lang="en-US" smtClean="0"/>
-              <a:t>12/16/2019</a:t>
+              <a:t>12/18/2019</a:t>
             </a:fld>
             <a:endParaRPr lang="en-US" dirty="0"/>
           </a:p>
@@ -1158,7 +1157,7 @@
           <a:p>
             <a:fld id="{073ED0CC-082F-4160-86E5-0D6041F12778}" type="datetime1">
               <a:rPr lang="en-US" smtClean="0"/>
-              <a:t>12/16/2019</a:t>
+              <a:t>12/18/2019</a:t>
             </a:fld>
             <a:endParaRPr lang="en-US" dirty="0"/>
           </a:p>
@@ -1424,7 +1423,7 @@
           <a:p>
             <a:fld id="{073ED0CC-082F-4160-86E5-0D6041F12778}" type="datetime1">
               <a:rPr lang="en-US" smtClean="0"/>
-              <a:t>12/16/2019</a:t>
+              <a:t>12/18/2019</a:t>
             </a:fld>
             <a:endParaRPr lang="en-US" dirty="0"/>
           </a:p>
@@ -1837,7 +1836,7 @@
           <a:p>
             <a:fld id="{073ED0CC-082F-4160-86E5-0D6041F12778}" type="datetime1">
               <a:rPr lang="en-US" smtClean="0"/>
-              <a:t>12/16/2019</a:t>
+              <a:t>12/18/2019</a:t>
             </a:fld>
             <a:endParaRPr lang="en-US" dirty="0"/>
           </a:p>
@@ -1979,7 +1978,7 @@
           <a:p>
             <a:fld id="{073ED0CC-082F-4160-86E5-0D6041F12778}" type="datetime1">
               <a:rPr lang="en-US" smtClean="0"/>
-              <a:t>12/16/2019</a:t>
+              <a:t>12/18/2019</a:t>
             </a:fld>
             <a:endParaRPr lang="en-US" dirty="0"/>
           </a:p>
@@ -2093,7 +2092,7 @@
           <a:p>
             <a:fld id="{073ED0CC-082F-4160-86E5-0D6041F12778}" type="datetime1">
               <a:rPr lang="en-US" smtClean="0"/>
-              <a:t>12/16/2019</a:t>
+              <a:t>12/18/2019</a:t>
             </a:fld>
             <a:endParaRPr lang="en-US" dirty="0"/>
           </a:p>
@@ -2405,7 +2404,7 @@
           <a:p>
             <a:fld id="{073ED0CC-082F-4160-86E5-0D6041F12778}" type="datetime1">
               <a:rPr lang="en-US" smtClean="0"/>
-              <a:t>12/16/2019</a:t>
+              <a:t>12/18/2019</a:t>
             </a:fld>
             <a:endParaRPr lang="en-US" dirty="0"/>
           </a:p>
@@ -2694,7 +2693,7 @@
           <a:p>
             <a:fld id="{073ED0CC-082F-4160-86E5-0D6041F12778}" type="datetime1">
               <a:rPr lang="en-US" smtClean="0"/>
-              <a:t>12/16/2019</a:t>
+              <a:t>12/18/2019</a:t>
             </a:fld>
             <a:endParaRPr lang="en-US" dirty="0"/>
           </a:p>
@@ -2936,7 +2935,7 @@
           <a:p>
             <a:fld id="{073ED0CC-082F-4160-86E5-0D6041F12778}" type="datetime1">
               <a:rPr lang="en-US" smtClean="0"/>
-              <a:t>12/16/2019</a:t>
+              <a:t>12/18/2019</a:t>
             </a:fld>
             <a:endParaRPr lang="en-US" dirty="0"/>
           </a:p>
@@ -4163,7 +4162,7 @@
                 <a:latin typeface="+mn-lt"/>
                 <a:cs typeface="Times New Roman" panose="02020603050405020304" pitchFamily="18" charset="0"/>
               </a:rPr>
-              <a:t>Objectif</a:t>
+              <a:t>Goal</a:t>
             </a:r>
           </a:p>
         </p:txBody>
@@ -5260,84 +5259,6 @@
 </file>
 
 <file path=ppt/slides/slide16.xml><?xml version="1.0" encoding="utf-8"?>
-<p:sld xmlns:a="http://schemas.openxmlformats.org/drawingml/2006/main" xmlns:r="http://schemas.openxmlformats.org/officeDocument/2006/relationships" xmlns:p="http://schemas.openxmlformats.org/presentationml/2006/main">
-  <p:cSld>
-    <p:spTree>
-      <p:nvGrpSpPr>
-        <p:cNvPr id="1" name=""/>
-        <p:cNvGrpSpPr/>
-        <p:nvPr/>
-      </p:nvGrpSpPr>
-      <p:grpSpPr>
-        <a:xfrm>
-          <a:off x="0" y="0"/>
-          <a:ext cx="0" cy="0"/>
-          <a:chOff x="0" y="0"/>
-          <a:chExt cx="0" cy="0"/>
-        </a:xfrm>
-      </p:grpSpPr>
-      <p:pic>
-        <p:nvPicPr>
-          <p:cNvPr id="17" name="Image 16" descr="Une image contenant bâtiment, cité, grand, assis&#10;&#10;Description générée automatiquement">
-            <a:extLst>
-              <a:ext uri="{FF2B5EF4-FFF2-40B4-BE49-F238E27FC236}">
-                <a16:creationId xmlns:a16="http://schemas.microsoft.com/office/drawing/2014/main" id="{6CF04101-E0D4-4105-A8F6-73217A3E211B}"/>
-              </a:ext>
-            </a:extLst>
-          </p:cNvPr>
-          <p:cNvPicPr>
-            <a:picLocks noChangeAspect="1"/>
-          </p:cNvPicPr>
-          <p:nvPr/>
-        </p:nvPicPr>
-        <p:blipFill>
-          <a:blip r:embed="rId2">
-            <a:extLst>
-              <a:ext uri="{28A0092B-C50C-407E-A947-70E740481C1C}">
-                <a14:useLocalDpi xmlns:a14="http://schemas.microsoft.com/office/drawing/2010/main" val="0"/>
-              </a:ext>
-            </a:extLst>
-          </a:blip>
-          <a:stretch>
-            <a:fillRect/>
-          </a:stretch>
-        </p:blipFill>
-        <p:spPr>
-          <a:xfrm>
-            <a:off x="0" y="0"/>
-            <a:ext cx="12192000" cy="6868732"/>
-          </a:xfrm>
-          <a:prstGeom prst="rect">
-            <a:avLst/>
-          </a:prstGeom>
-        </p:spPr>
-      </p:pic>
-    </p:spTree>
-    <p:extLst>
-      <p:ext uri="{BB962C8B-B14F-4D97-AF65-F5344CB8AC3E}">
-        <p14:creationId xmlns:p14="http://schemas.microsoft.com/office/powerpoint/2010/main" val="2560387735"/>
-      </p:ext>
-    </p:extLst>
-  </p:cSld>
-  <p:clrMapOvr>
-    <a:masterClrMapping/>
-  </p:clrMapOvr>
-  <mc:AlternateContent xmlns:mc="http://schemas.openxmlformats.org/markup-compatibility/2006" xmlns:p14="http://schemas.microsoft.com/office/powerpoint/2010/main">
-    <mc:Choice Requires="p14">
-      <p:transition spd="med" p14:dur="700">
-        <p:fade/>
-      </p:transition>
-    </mc:Choice>
-    <mc:Fallback xmlns="">
-      <p:transition spd="med">
-        <p:fade/>
-      </p:transition>
-    </mc:Fallback>
-  </mc:AlternateContent>
-</p:sld>
-</file>
-
-<file path=ppt/slides/slide17.xml><?xml version="1.0" encoding="utf-8"?>
 <p:sld xmlns:a="http://schemas.openxmlformats.org/drawingml/2006/main" xmlns:r="http://schemas.openxmlformats.org/officeDocument/2006/relationships" xmlns:p="http://schemas.openxmlformats.org/presentationml/2006/main">
   <p:cSld>
     <p:spTree>
